--- a/docs/imgs/design.pptx
+++ b/docs/imgs/design.pptx
@@ -8,6 +8,7 @@
     <p:sldId id="256" r:id="rId2"/>
     <p:sldId id="257" r:id="rId3"/>
     <p:sldId id="258" r:id="rId4"/>
+    <p:sldId id="259" r:id="rId5"/>
   </p:sldIdLst>
   <p:sldSz cx="12192000" cy="6858000"/>
   <p:notesSz cx="6858000" cy="9144000"/>
@@ -272,7 +273,7 @@
           <a:p>
             <a:fld id="{06CC0CC3-E7B7-0F4D-B297-074A936CCC43}" type="datetimeFigureOut">
               <a:rPr lang="en-US" smtClean="0"/>
-              <a:t>8/22/18</a:t>
+              <a:t>8/28/19</a:t>
             </a:fld>
             <a:endParaRPr lang="en-US"/>
           </a:p>
@@ -470,7 +471,7 @@
           <a:p>
             <a:fld id="{06CC0CC3-E7B7-0F4D-B297-074A936CCC43}" type="datetimeFigureOut">
               <a:rPr lang="en-US" smtClean="0"/>
-              <a:t>8/22/18</a:t>
+              <a:t>8/28/19</a:t>
             </a:fld>
             <a:endParaRPr lang="en-US"/>
           </a:p>
@@ -678,7 +679,7 @@
           <a:p>
             <a:fld id="{06CC0CC3-E7B7-0F4D-B297-074A936CCC43}" type="datetimeFigureOut">
               <a:rPr lang="en-US" smtClean="0"/>
-              <a:t>8/22/18</a:t>
+              <a:t>8/28/19</a:t>
             </a:fld>
             <a:endParaRPr lang="en-US"/>
           </a:p>
@@ -876,7 +877,7 @@
           <a:p>
             <a:fld id="{06CC0CC3-E7B7-0F4D-B297-074A936CCC43}" type="datetimeFigureOut">
               <a:rPr lang="en-US" smtClean="0"/>
-              <a:t>8/22/18</a:t>
+              <a:t>8/28/19</a:t>
             </a:fld>
             <a:endParaRPr lang="en-US"/>
           </a:p>
@@ -1151,7 +1152,7 @@
           <a:p>
             <a:fld id="{06CC0CC3-E7B7-0F4D-B297-074A936CCC43}" type="datetimeFigureOut">
               <a:rPr lang="en-US" smtClean="0"/>
-              <a:t>8/22/18</a:t>
+              <a:t>8/28/19</a:t>
             </a:fld>
             <a:endParaRPr lang="en-US"/>
           </a:p>
@@ -1416,7 +1417,7 @@
           <a:p>
             <a:fld id="{06CC0CC3-E7B7-0F4D-B297-074A936CCC43}" type="datetimeFigureOut">
               <a:rPr lang="en-US" smtClean="0"/>
-              <a:t>8/22/18</a:t>
+              <a:t>8/28/19</a:t>
             </a:fld>
             <a:endParaRPr lang="en-US"/>
           </a:p>
@@ -1828,7 +1829,7 @@
           <a:p>
             <a:fld id="{06CC0CC3-E7B7-0F4D-B297-074A936CCC43}" type="datetimeFigureOut">
               <a:rPr lang="en-US" smtClean="0"/>
-              <a:t>8/22/18</a:t>
+              <a:t>8/28/19</a:t>
             </a:fld>
             <a:endParaRPr lang="en-US"/>
           </a:p>
@@ -1969,7 +1970,7 @@
           <a:p>
             <a:fld id="{06CC0CC3-E7B7-0F4D-B297-074A936CCC43}" type="datetimeFigureOut">
               <a:rPr lang="en-US" smtClean="0"/>
-              <a:t>8/22/18</a:t>
+              <a:t>8/28/19</a:t>
             </a:fld>
             <a:endParaRPr lang="en-US"/>
           </a:p>
@@ -2082,7 +2083,7 @@
           <a:p>
             <a:fld id="{06CC0CC3-E7B7-0F4D-B297-074A936CCC43}" type="datetimeFigureOut">
               <a:rPr lang="en-US" smtClean="0"/>
-              <a:t>8/22/18</a:t>
+              <a:t>8/28/19</a:t>
             </a:fld>
             <a:endParaRPr lang="en-US"/>
           </a:p>
@@ -2393,7 +2394,7 @@
           <a:p>
             <a:fld id="{06CC0CC3-E7B7-0F4D-B297-074A936CCC43}" type="datetimeFigureOut">
               <a:rPr lang="en-US" smtClean="0"/>
-              <a:t>8/22/18</a:t>
+              <a:t>8/28/19</a:t>
             </a:fld>
             <a:endParaRPr lang="en-US"/>
           </a:p>
@@ -2681,7 +2682,7 @@
           <a:p>
             <a:fld id="{06CC0CC3-E7B7-0F4D-B297-074A936CCC43}" type="datetimeFigureOut">
               <a:rPr lang="en-US" smtClean="0"/>
-              <a:t>8/22/18</a:t>
+              <a:t>8/28/19</a:t>
             </a:fld>
             <a:endParaRPr lang="en-US"/>
           </a:p>
@@ -2922,7 +2923,7 @@
           <a:p>
             <a:fld id="{06CC0CC3-E7B7-0F4D-B297-074A936CCC43}" type="datetimeFigureOut">
               <a:rPr lang="en-US" smtClean="0"/>
-              <a:t>8/22/18</a:t>
+              <a:t>8/28/19</a:t>
             </a:fld>
             <a:endParaRPr lang="en-US"/>
           </a:p>
@@ -9846,6 +9847,636 @@
 </p:sld>
 </file>
 
+<file path=ppt/slides/slide4.xml><?xml version="1.0" encoding="utf-8"?>
+<p:sld xmlns:a="http://schemas.openxmlformats.org/drawingml/2006/main" xmlns:r="http://schemas.openxmlformats.org/officeDocument/2006/relationships" xmlns:p="http://schemas.openxmlformats.org/presentationml/2006/main">
+  <p:cSld>
+    <p:spTree>
+      <p:nvGrpSpPr>
+        <p:cNvPr id="1" name=""/>
+        <p:cNvGrpSpPr/>
+        <p:nvPr/>
+      </p:nvGrpSpPr>
+      <p:grpSpPr>
+        <a:xfrm>
+          <a:off x="0" y="0"/>
+          <a:ext cx="0" cy="0"/>
+          <a:chOff x="0" y="0"/>
+          <a:chExt cx="0" cy="0"/>
+        </a:xfrm>
+      </p:grpSpPr>
+      <p:pic>
+        <p:nvPicPr>
+          <p:cNvPr id="18" name="Picture 17">
+            <a:extLst>
+              <a:ext uri="{FF2B5EF4-FFF2-40B4-BE49-F238E27FC236}">
+                <a16:creationId xmlns:a16="http://schemas.microsoft.com/office/drawing/2014/main" id="{949BCFEB-0292-B14D-B239-713B7C5A390D}"/>
+              </a:ext>
+            </a:extLst>
+          </p:cNvPr>
+          <p:cNvPicPr>
+            <a:picLocks noChangeAspect="1"/>
+          </p:cNvPicPr>
+          <p:nvPr/>
+        </p:nvPicPr>
+        <p:blipFill rotWithShape="1">
+          <a:blip r:embed="rId2"/>
+          <a:srcRect l="4816" t="14687" r="3859"/>
+          <a:stretch/>
+        </p:blipFill>
+        <p:spPr>
+          <a:xfrm>
+            <a:off x="5148735" y="65384"/>
+            <a:ext cx="3743402" cy="2815053"/>
+          </a:xfrm>
+          <a:prstGeom prst="rect">
+            <a:avLst/>
+          </a:prstGeom>
+        </p:spPr>
+      </p:pic>
+      <p:pic>
+        <p:nvPicPr>
+          <p:cNvPr id="26" name="Picture 25">
+            <a:extLst>
+              <a:ext uri="{FF2B5EF4-FFF2-40B4-BE49-F238E27FC236}">
+                <a16:creationId xmlns:a16="http://schemas.microsoft.com/office/drawing/2014/main" id="{353A7411-D102-284A-AD31-B8FC6C7D6DCD}"/>
+              </a:ext>
+            </a:extLst>
+          </p:cNvPr>
+          <p:cNvPicPr>
+            <a:picLocks noChangeAspect="1"/>
+          </p:cNvPicPr>
+          <p:nvPr/>
+        </p:nvPicPr>
+        <p:blipFill rotWithShape="1">
+          <a:blip r:embed="rId3"/>
+          <a:srcRect l="32735" t="19623" r="34022"/>
+          <a:stretch/>
+        </p:blipFill>
+        <p:spPr>
+          <a:xfrm>
+            <a:off x="3475996" y="6595"/>
+            <a:ext cx="1899684" cy="2397628"/>
+          </a:xfrm>
+          <a:prstGeom prst="rect">
+            <a:avLst/>
+          </a:prstGeom>
+        </p:spPr>
+      </p:pic>
+      <p:pic>
+        <p:nvPicPr>
+          <p:cNvPr id="28" name="Picture 27">
+            <a:extLst>
+              <a:ext uri="{FF2B5EF4-FFF2-40B4-BE49-F238E27FC236}">
+                <a16:creationId xmlns:a16="http://schemas.microsoft.com/office/drawing/2014/main" id="{27B914D9-3103-5142-B160-6141475A6D30}"/>
+              </a:ext>
+            </a:extLst>
+          </p:cNvPr>
+          <p:cNvPicPr>
+            <a:picLocks noChangeAspect="1"/>
+          </p:cNvPicPr>
+          <p:nvPr/>
+        </p:nvPicPr>
+        <p:blipFill rotWithShape="1">
+          <a:blip r:embed="rId4"/>
+          <a:srcRect t="35044" b="19934"/>
+          <a:stretch/>
+        </p:blipFill>
+        <p:spPr>
+          <a:xfrm>
+            <a:off x="118805" y="2323577"/>
+            <a:ext cx="5080000" cy="1841157"/>
+          </a:xfrm>
+          <a:prstGeom prst="rect">
+            <a:avLst/>
+          </a:prstGeom>
+        </p:spPr>
+      </p:pic>
+      <p:pic>
+        <p:nvPicPr>
+          <p:cNvPr id="8" name="Picture 7">
+            <a:extLst>
+              <a:ext uri="{FF2B5EF4-FFF2-40B4-BE49-F238E27FC236}">
+                <a16:creationId xmlns:a16="http://schemas.microsoft.com/office/drawing/2014/main" id="{F550ACB7-DB54-4F4A-A38E-496494506A87}"/>
+              </a:ext>
+            </a:extLst>
+          </p:cNvPr>
+          <p:cNvPicPr>
+            <a:picLocks noChangeAspect="1"/>
+          </p:cNvPicPr>
+          <p:nvPr/>
+        </p:nvPicPr>
+        <p:blipFill rotWithShape="1">
+          <a:blip r:embed="rId5">
+            <a:extLst>
+              <a:ext uri="{BEBA8EAE-BF5A-486C-A8C5-ECC9F3942E4B}">
+                <a14:imgProps xmlns:a14="http://schemas.microsoft.com/office/drawing/2010/main">
+                  <a14:imgLayer r:embed="rId6">
+                    <a14:imgEffect>
+                      <a14:backgroundRemoval t="23758" b="95342" l="10000" r="93750">
+                        <a14:foregroundMark x1="34125" y1="98758" x2="71875" y2="99224"/>
+                        <a14:foregroundMark x1="71875" y1="99224" x2="87125" y2="95342"/>
+                        <a14:foregroundMark x1="87125" y1="95342" x2="93750" y2="82609"/>
+                      </a14:backgroundRemoval>
+                    </a14:imgEffect>
+                  </a14:imgLayer>
+                </a14:imgProps>
+              </a:ext>
+            </a:extLst>
+          </a:blip>
+          <a:srcRect t="15366"/>
+          <a:stretch/>
+        </p:blipFill>
+        <p:spPr>
+          <a:xfrm>
+            <a:off x="1659395" y="3353783"/>
+            <a:ext cx="3778323" cy="2574195"/>
+          </a:xfrm>
+          <a:prstGeom prst="rect">
+            <a:avLst/>
+          </a:prstGeom>
+        </p:spPr>
+      </p:pic>
+      <p:pic>
+        <p:nvPicPr>
+          <p:cNvPr id="10" name="Picture 9">
+            <a:extLst>
+              <a:ext uri="{FF2B5EF4-FFF2-40B4-BE49-F238E27FC236}">
+                <a16:creationId xmlns:a16="http://schemas.microsoft.com/office/drawing/2014/main" id="{F8AFA4D4-ADB4-6949-8CC3-032A73BA2F64}"/>
+              </a:ext>
+            </a:extLst>
+          </p:cNvPr>
+          <p:cNvPicPr>
+            <a:picLocks noChangeAspect="1"/>
+          </p:cNvPicPr>
+          <p:nvPr/>
+        </p:nvPicPr>
+        <p:blipFill rotWithShape="1">
+          <a:blip r:embed="rId7"/>
+          <a:srcRect t="8420" r="8966"/>
+          <a:stretch/>
+        </p:blipFill>
+        <p:spPr>
+          <a:xfrm>
+            <a:off x="94582" y="49010"/>
+            <a:ext cx="3381414" cy="2397628"/>
+          </a:xfrm>
+          <a:prstGeom prst="rect">
+            <a:avLst/>
+          </a:prstGeom>
+        </p:spPr>
+      </p:pic>
+      <p:pic>
+        <p:nvPicPr>
+          <p:cNvPr id="20" name="Picture 19">
+            <a:extLst>
+              <a:ext uri="{FF2B5EF4-FFF2-40B4-BE49-F238E27FC236}">
+                <a16:creationId xmlns:a16="http://schemas.microsoft.com/office/drawing/2014/main" id="{8007835C-9C84-0849-B5EA-35A5BDF02AA8}"/>
+              </a:ext>
+            </a:extLst>
+          </p:cNvPr>
+          <p:cNvPicPr>
+            <a:picLocks noChangeAspect="1"/>
+          </p:cNvPicPr>
+          <p:nvPr/>
+        </p:nvPicPr>
+        <p:blipFill rotWithShape="1">
+          <a:blip r:embed="rId8">
+            <a:extLst>
+              <a:ext uri="{BEBA8EAE-BF5A-486C-A8C5-ECC9F3942E4B}">
+                <a14:imgProps xmlns:a14="http://schemas.microsoft.com/office/drawing/2010/main">
+                  <a14:imgLayer r:embed="rId9">
+                    <a14:imgEffect>
+                      <a14:backgroundRemoval t="22418" b="92745" l="27099" r="72575">
+                        <a14:foregroundMark x1="25513" y1="43399" x2="27099" y2="87124"/>
+                        <a14:foregroundMark x1="27099" y1="87124" x2="33162" y2="92745"/>
+                      </a14:backgroundRemoval>
+                    </a14:imgEffect>
+                  </a14:imgLayer>
+                </a14:imgProps>
+              </a:ext>
+            </a:extLst>
+          </a:blip>
+          <a:srcRect l="22756" t="13841" r="21889"/>
+          <a:stretch/>
+        </p:blipFill>
+        <p:spPr>
+          <a:xfrm>
+            <a:off x="-6779" y="3424007"/>
+            <a:ext cx="2603705" cy="2891997"/>
+          </a:xfrm>
+          <a:prstGeom prst="rect">
+            <a:avLst/>
+          </a:prstGeom>
+        </p:spPr>
+      </p:pic>
+      <p:pic>
+        <p:nvPicPr>
+          <p:cNvPr id="24" name="Picture 23">
+            <a:extLst>
+              <a:ext uri="{FF2B5EF4-FFF2-40B4-BE49-F238E27FC236}">
+                <a16:creationId xmlns:a16="http://schemas.microsoft.com/office/drawing/2014/main" id="{82259A8B-0315-624E-A564-3638933107B4}"/>
+              </a:ext>
+            </a:extLst>
+          </p:cNvPr>
+          <p:cNvPicPr>
+            <a:picLocks noChangeAspect="1"/>
+          </p:cNvPicPr>
+          <p:nvPr/>
+        </p:nvPicPr>
+        <p:blipFill rotWithShape="1">
+          <a:blip r:embed="rId10">
+            <a:extLst>
+              <a:ext uri="{BEBA8EAE-BF5A-486C-A8C5-ECC9F3942E4B}">
+                <a14:imgProps xmlns:a14="http://schemas.microsoft.com/office/drawing/2010/main">
+                  <a14:imgLayer r:embed="rId11">
+                    <a14:imgEffect>
+                      <a14:backgroundRemoval t="20642" b="78580" l="36640" r="73533"/>
+                    </a14:imgEffect>
+                  </a14:imgLayer>
+                </a14:imgProps>
+              </a:ext>
+            </a:extLst>
+          </a:blip>
+          <a:srcRect l="32028" t="13400" r="21855" b="14178"/>
+          <a:stretch/>
+        </p:blipFill>
+        <p:spPr>
+          <a:xfrm>
+            <a:off x="4996193" y="2029499"/>
+            <a:ext cx="3302614" cy="2707312"/>
+          </a:xfrm>
+          <a:prstGeom prst="rect">
+            <a:avLst/>
+          </a:prstGeom>
+        </p:spPr>
+      </p:pic>
+      <p:pic>
+        <p:nvPicPr>
+          <p:cNvPr id="12" name="Picture 11">
+            <a:extLst>
+              <a:ext uri="{FF2B5EF4-FFF2-40B4-BE49-F238E27FC236}">
+                <a16:creationId xmlns:a16="http://schemas.microsoft.com/office/drawing/2014/main" id="{68735A41-E562-5A4F-8FD7-51323A245F27}"/>
+              </a:ext>
+            </a:extLst>
+          </p:cNvPr>
+          <p:cNvPicPr>
+            <a:picLocks noChangeAspect="1"/>
+          </p:cNvPicPr>
+          <p:nvPr/>
+        </p:nvPicPr>
+        <p:blipFill rotWithShape="1">
+          <a:blip r:embed="rId12"/>
+          <a:srcRect l="14687" t="13589" r="12609" b="20960"/>
+          <a:stretch/>
+        </p:blipFill>
+        <p:spPr>
+          <a:xfrm>
+            <a:off x="7508051" y="2228327"/>
+            <a:ext cx="2852235" cy="2067006"/>
+          </a:xfrm>
+          <a:prstGeom prst="rect">
+            <a:avLst/>
+          </a:prstGeom>
+        </p:spPr>
+      </p:pic>
+      <p:pic>
+        <p:nvPicPr>
+          <p:cNvPr id="16" name="Picture 15">
+            <a:extLst>
+              <a:ext uri="{FF2B5EF4-FFF2-40B4-BE49-F238E27FC236}">
+                <a16:creationId xmlns:a16="http://schemas.microsoft.com/office/drawing/2014/main" id="{A19827F8-3DEA-F749-BCC6-ABAA23D9C6BF}"/>
+              </a:ext>
+            </a:extLst>
+          </p:cNvPr>
+          <p:cNvPicPr>
+            <a:picLocks noChangeAspect="1"/>
+          </p:cNvPicPr>
+          <p:nvPr/>
+        </p:nvPicPr>
+        <p:blipFill rotWithShape="1">
+          <a:blip r:embed="rId13"/>
+          <a:srcRect l="27297" t="26143" r="24784" b="7858"/>
+          <a:stretch/>
+        </p:blipFill>
+        <p:spPr>
+          <a:xfrm>
+            <a:off x="10360286" y="3035981"/>
+            <a:ext cx="1864300" cy="2067006"/>
+          </a:xfrm>
+          <a:prstGeom prst="rect">
+            <a:avLst/>
+          </a:prstGeom>
+        </p:spPr>
+      </p:pic>
+      <p:pic>
+        <p:nvPicPr>
+          <p:cNvPr id="6" name="Picture 5">
+            <a:extLst>
+              <a:ext uri="{FF2B5EF4-FFF2-40B4-BE49-F238E27FC236}">
+                <a16:creationId xmlns:a16="http://schemas.microsoft.com/office/drawing/2014/main" id="{B503D7EB-80C2-4545-93DD-389E06A2EC72}"/>
+              </a:ext>
+            </a:extLst>
+          </p:cNvPr>
+          <p:cNvPicPr>
+            <a:picLocks noChangeAspect="1"/>
+          </p:cNvPicPr>
+          <p:nvPr/>
+        </p:nvPicPr>
+        <p:blipFill rotWithShape="1">
+          <a:blip r:embed="rId14">
+            <a:extLst>
+              <a:ext uri="{BEBA8EAE-BF5A-486C-A8C5-ECC9F3942E4B}">
+                <a14:imgProps xmlns:a14="http://schemas.microsoft.com/office/drawing/2010/main">
+                  <a14:imgLayer r:embed="rId15">
+                    <a14:imgEffect>
+                      <a14:backgroundRemoval t="24608" b="82935" l="13511" r="77987"/>
+                    </a14:imgEffect>
+                  </a14:imgLayer>
+                </a14:imgProps>
+              </a:ext>
+            </a:extLst>
+          </a:blip>
+          <a:srcRect l="5451" t="17317" r="13954" b="9774"/>
+          <a:stretch/>
+        </p:blipFill>
+        <p:spPr>
+          <a:xfrm>
+            <a:off x="5025699" y="3435144"/>
+            <a:ext cx="4094273" cy="2981532"/>
+          </a:xfrm>
+          <a:prstGeom prst="rect">
+            <a:avLst/>
+          </a:prstGeom>
+        </p:spPr>
+      </p:pic>
+      <p:pic>
+        <p:nvPicPr>
+          <p:cNvPr id="22" name="Picture 21">
+            <a:extLst>
+              <a:ext uri="{FF2B5EF4-FFF2-40B4-BE49-F238E27FC236}">
+                <a16:creationId xmlns:a16="http://schemas.microsoft.com/office/drawing/2014/main" id="{AC817F0A-A493-3C47-8FC0-637F22BFF021}"/>
+              </a:ext>
+            </a:extLst>
+          </p:cNvPr>
+          <p:cNvPicPr>
+            <a:picLocks noChangeAspect="1"/>
+          </p:cNvPicPr>
+          <p:nvPr/>
+        </p:nvPicPr>
+        <p:blipFill rotWithShape="1">
+          <a:blip r:embed="rId16">
+            <a:extLst>
+              <a:ext uri="{BEBA8EAE-BF5A-486C-A8C5-ECC9F3942E4B}">
+                <a14:imgProps xmlns:a14="http://schemas.microsoft.com/office/drawing/2010/main">
+                  <a14:imgLayer r:embed="rId17">
+                    <a14:imgEffect>
+                      <a14:backgroundRemoval t="26054" b="79023" l="34200" r="65400">
+                        <a14:foregroundMark x1="62850" y1="31322" x2="63050" y2="69636"/>
+                        <a14:foregroundMark x1="63050" y1="69636" x2="55200" y2="75766"/>
+                        <a14:foregroundMark x1="55200" y1="75766" x2="39150" y2="77586"/>
+                        <a14:foregroundMark x1="63650" y1="30460" x2="64250" y2="77969"/>
+                        <a14:foregroundMark x1="63850" y1="27874" x2="38550" y2="26437"/>
+                        <a14:foregroundMark x1="64050" y1="28640" x2="63650" y2="47126"/>
+                        <a14:foregroundMark x1="64250" y1="31609" x2="65400" y2="79023"/>
+                        <a14:foregroundMark x1="64250" y1="26054" x2="64650" y2="39368"/>
+                      </a14:backgroundRemoval>
+                    </a14:imgEffect>
+                  </a14:imgLayer>
+                </a14:imgProps>
+              </a:ext>
+            </a:extLst>
+          </a:blip>
+          <a:srcRect l="30709" t="21555" r="34325" b="17161"/>
+          <a:stretch/>
+        </p:blipFill>
+        <p:spPr>
+          <a:xfrm>
+            <a:off x="8464276" y="4326912"/>
+            <a:ext cx="2233798" cy="2043645"/>
+          </a:xfrm>
+          <a:prstGeom prst="rect">
+            <a:avLst/>
+          </a:prstGeom>
+        </p:spPr>
+      </p:pic>
+      <p:pic>
+        <p:nvPicPr>
+          <p:cNvPr id="14" name="Picture 13">
+            <a:extLst>
+              <a:ext uri="{FF2B5EF4-FFF2-40B4-BE49-F238E27FC236}">
+                <a16:creationId xmlns:a16="http://schemas.microsoft.com/office/drawing/2014/main" id="{6E173F92-DF3E-4142-9804-7C0D36A72241}"/>
+              </a:ext>
+            </a:extLst>
+          </p:cNvPr>
+          <p:cNvPicPr>
+            <a:picLocks noChangeAspect="1"/>
+          </p:cNvPicPr>
+          <p:nvPr/>
+        </p:nvPicPr>
+        <p:blipFill rotWithShape="1">
+          <a:blip r:embed="rId18">
+            <a:extLst>
+              <a:ext uri="{BEBA8EAE-BF5A-486C-A8C5-ECC9F3942E4B}">
+                <a14:imgProps xmlns:a14="http://schemas.microsoft.com/office/drawing/2010/main">
+                  <a14:imgLayer r:embed="rId19">
+                    <a14:imgEffect>
+                      <a14:backgroundRemoval t="13540" b="83366" l="30584" r="65912">
+                        <a14:foregroundMark x1="35109" y1="40909" x2="30584" y2="49323"/>
+                        <a14:foregroundMark x1="30584" y1="49323" x2="30584" y2="51451"/>
+                        <a14:foregroundMark x1="43066" y1="13540" x2="49124" y2="15861"/>
+                        <a14:foregroundMark x1="45109" y1="74371" x2="49635" y2="79207"/>
+                        <a14:foregroundMark x1="41825" y1="79014" x2="43577" y2="83366"/>
+                      </a14:backgroundRemoval>
+                    </a14:imgEffect>
+                  </a14:imgLayer>
+                </a14:imgProps>
+              </a:ext>
+            </a:extLst>
+          </a:blip>
+          <a:srcRect l="27969" t="8794" r="29576" b="14183"/>
+          <a:stretch/>
+        </p:blipFill>
+        <p:spPr>
+          <a:xfrm>
+            <a:off x="9213311" y="-101906"/>
+            <a:ext cx="3028537" cy="4146987"/>
+          </a:xfrm>
+          <a:prstGeom prst="rect">
+            <a:avLst/>
+          </a:prstGeom>
+        </p:spPr>
+      </p:pic>
+      <p:sp>
+        <p:nvSpPr>
+          <p:cNvPr id="29" name="Rectangle 28">
+            <a:extLst>
+              <a:ext uri="{FF2B5EF4-FFF2-40B4-BE49-F238E27FC236}">
+                <a16:creationId xmlns:a16="http://schemas.microsoft.com/office/drawing/2014/main" id="{3ADD8D47-2686-9045-944A-CA573875430F}"/>
+              </a:ext>
+            </a:extLst>
+          </p:cNvPr>
+          <p:cNvSpPr/>
+          <p:nvPr/>
+        </p:nvSpPr>
+        <p:spPr>
+          <a:xfrm>
+            <a:off x="-6779" y="0"/>
+            <a:ext cx="12248627" cy="5927978"/>
+          </a:xfrm>
+          <a:prstGeom prst="rect">
+            <a:avLst/>
+          </a:prstGeom>
+          <a:solidFill>
+            <a:schemeClr val="bg1">
+              <a:alpha val="50000"/>
+            </a:schemeClr>
+          </a:solidFill>
+          <a:effectLst/>
+        </p:spPr>
+        <p:style>
+          <a:lnRef idx="2">
+            <a:schemeClr val="accent1">
+              <a:shade val="50000"/>
+            </a:schemeClr>
+          </a:lnRef>
+          <a:fillRef idx="1">
+            <a:schemeClr val="accent1"/>
+          </a:fillRef>
+          <a:effectRef idx="0">
+            <a:schemeClr val="accent1"/>
+          </a:effectRef>
+          <a:fontRef idx="minor">
+            <a:schemeClr val="lt1"/>
+          </a:fontRef>
+        </p:style>
+        <p:txBody>
+          <a:bodyPr rtlCol="0" anchor="ctr"/>
+          <a:lstStyle/>
+          <a:p>
+            <a:pPr algn="ctr"/>
+            <a:endParaRPr lang="en-US" dirty="0">
+              <a:solidFill>
+                <a:schemeClr val="bg1"/>
+              </a:solidFill>
+              <a:highlight>
+                <a:srgbClr val="E7E6E6"/>
+              </a:highlight>
+            </a:endParaRPr>
+          </a:p>
+        </p:txBody>
+      </p:sp>
+      <p:sp>
+        <p:nvSpPr>
+          <p:cNvPr id="4" name="TextBox 3">
+            <a:extLst>
+              <a:ext uri="{FF2B5EF4-FFF2-40B4-BE49-F238E27FC236}">
+                <a16:creationId xmlns:a16="http://schemas.microsoft.com/office/drawing/2014/main" id="{C59EC0E2-378C-8943-AF80-676BB99089ED}"/>
+              </a:ext>
+            </a:extLst>
+          </p:cNvPr>
+          <p:cNvSpPr txBox="1"/>
+          <p:nvPr/>
+        </p:nvSpPr>
+        <p:spPr>
+          <a:xfrm>
+            <a:off x="2556571" y="1764077"/>
+            <a:ext cx="7346463" cy="2400657"/>
+          </a:xfrm>
+          <a:prstGeom prst="rect">
+            <a:avLst/>
+          </a:prstGeom>
+          <a:gradFill flip="none" rotWithShape="1">
+            <a:gsLst>
+              <a:gs pos="0">
+                <a:schemeClr val="dk1">
+                  <a:lumMod val="67000"/>
+                </a:schemeClr>
+              </a:gs>
+              <a:gs pos="48000">
+                <a:schemeClr val="dk1">
+                  <a:lumMod val="97000"/>
+                  <a:lumOff val="3000"/>
+                </a:schemeClr>
+              </a:gs>
+              <a:gs pos="100000">
+                <a:schemeClr val="dk1">
+                  <a:lumMod val="60000"/>
+                  <a:lumOff val="40000"/>
+                </a:schemeClr>
+              </a:gs>
+            </a:gsLst>
+            <a:lin ang="16200000" scaled="1"/>
+            <a:tileRect/>
+          </a:gradFill>
+          <a:ln>
+            <a:noFill/>
+          </a:ln>
+          <a:effectLst>
+            <a:outerShdw blurRad="342900" dist="38100" dir="2700000" sx="102000" sy="102000" algn="tl" rotWithShape="0">
+              <a:prstClr val="black">
+                <a:alpha val="42000"/>
+              </a:prstClr>
+            </a:outerShdw>
+          </a:effectLst>
+        </p:spPr>
+        <p:style>
+          <a:lnRef idx="0">
+            <a:scrgbClr r="0" g="0" b="0"/>
+          </a:lnRef>
+          <a:fillRef idx="0">
+            <a:scrgbClr r="0" g="0" b="0"/>
+          </a:fillRef>
+          <a:effectRef idx="0">
+            <a:scrgbClr r="0" g="0" b="0"/>
+          </a:effectRef>
+          <a:fontRef idx="minor">
+            <a:schemeClr val="lt1"/>
+          </a:fontRef>
+        </p:style>
+        <p:txBody>
+          <a:bodyPr wrap="square" rtlCol="0">
+            <a:spAutoFit/>
+          </a:bodyPr>
+          <a:lstStyle/>
+          <a:p>
+            <a:r>
+              <a:rPr lang="en-US" sz="15000" b="1" dirty="0">
+                <a:solidFill>
+                  <a:schemeClr val="accent2"/>
+                </a:solidFill>
+              </a:rPr>
+              <a:t>Del</a:t>
+            </a:r>
+            <a:r>
+              <a:rPr lang="en-US" sz="15000" b="1" dirty="0">
+                <a:solidFill>
+                  <a:schemeClr val="accent5">
+                    <a:lumMod val="75000"/>
+                  </a:schemeClr>
+                </a:solidFill>
+              </a:rPr>
+              <a:t>FEM</a:t>
+            </a:r>
+            <a:r>
+              <a:rPr lang="en-US" sz="15000" b="1" dirty="0"/>
+              <a:t>2</a:t>
+            </a:r>
+          </a:p>
+        </p:txBody>
+      </p:sp>
+    </p:spTree>
+    <p:extLst>
+      <p:ext uri="{BB962C8B-B14F-4D97-AF65-F5344CB8AC3E}">
+        <p14:creationId xmlns:p14="http://schemas.microsoft.com/office/powerpoint/2010/main" val="1729422207"/>
+      </p:ext>
+    </p:extLst>
+  </p:cSld>
+  <p:clrMapOvr>
+    <a:masterClrMapping/>
+  </p:clrMapOvr>
+</p:sld>
+</file>
+
 <file path=ppt/theme/theme1.xml><?xml version="1.0" encoding="utf-8"?>
 <a:theme xmlns:a="http://schemas.openxmlformats.org/drawingml/2006/main" name="Office Theme">
   <a:themeElements>
